--- a/Charlotte income vs commute.pptx
+++ b/Charlotte income vs commute.pptx
@@ -107,7 +107,263 @@
       </a:defRPr>
     </a:lvl9pPr>
   </p:defaultTextStyle>
+  <p:extLst>
+    <p:ext uri="{EFAFB233-063F-42B5-8137-9DF3F51BA10A}">
+      <p15:sldGuideLst xmlns:p15="http://schemas.microsoft.com/office/powerpoint/2012/main"/>
+    </p:ext>
+  </p:extLst>
 </p:presentation>
+</file>
+
+<file path=ppt/revisionInfo.xml><?xml version="1.0" encoding="utf-8"?>
+<p1510:revInfo xmlns:a="http://schemas.openxmlformats.org/drawingml/2006/main" xmlns:r="http://schemas.openxmlformats.org/officeDocument/2006/relationships" xmlns:p1510="http://schemas.microsoft.com/office/powerpoint/2015/10/main">
+  <p1510:revLst>
+    <p1510:client id="{A799029E-5BF6-4217-9527-3ABED80F9392}" v="5" dt="2020-07-30T23:42:10.437"/>
+  </p1510:revLst>
+</p1510:revInfo>
+</file>
+
+<file path=ppt/changesInfos/changesInfo1.xml><?xml version="1.0" encoding="utf-8"?>
+<pc:chgInfo xmlns:a="http://schemas.openxmlformats.org/drawingml/2006/main" xmlns:r="http://schemas.openxmlformats.org/officeDocument/2006/relationships" xmlns:ac="http://schemas.microsoft.com/office/drawing/2013/main/command" xmlns:pc="http://schemas.microsoft.com/office/powerpoint/2013/main/command">
+  <pc:docChgLst>
+    <pc:chgData name="John Falcone" userId="1fac64da71420b81" providerId="LiveId" clId="{A799029E-5BF6-4217-9527-3ABED80F9392}"/>
+    <pc:docChg chg="custSel mod addSld delSld modSld">
+      <pc:chgData name="John Falcone" userId="1fac64da71420b81" providerId="LiveId" clId="{A799029E-5BF6-4217-9527-3ABED80F9392}" dt="2020-07-30T23:42:27.859" v="229" actId="2696"/>
+      <pc:docMkLst>
+        <pc:docMk/>
+      </pc:docMkLst>
+      <pc:sldChg chg="modSp mod">
+        <pc:chgData name="John Falcone" userId="1fac64da71420b81" providerId="LiveId" clId="{A799029E-5BF6-4217-9527-3ABED80F9392}" dt="2020-07-30T23:23:21.459" v="2"/>
+        <pc:sldMkLst>
+          <pc:docMk/>
+          <pc:sldMk cId="3095034268" sldId="257"/>
+        </pc:sldMkLst>
+        <pc:spChg chg="mod">
+          <ac:chgData name="John Falcone" userId="1fac64da71420b81" providerId="LiveId" clId="{A799029E-5BF6-4217-9527-3ABED80F9392}" dt="2020-07-30T23:23:21.459" v="2"/>
+          <ac:spMkLst>
+            <pc:docMk/>
+            <pc:sldMk cId="3095034268" sldId="257"/>
+            <ac:spMk id="2" creationId="{DC36E85C-3FF3-4289-A869-7A7DEAF79237}"/>
+          </ac:spMkLst>
+        </pc:spChg>
+      </pc:sldChg>
+      <pc:sldChg chg="addSp modSp mod">
+        <pc:chgData name="John Falcone" userId="1fac64da71420b81" providerId="LiveId" clId="{A799029E-5BF6-4217-9527-3ABED80F9392}" dt="2020-07-30T23:42:17.948" v="228" actId="1076"/>
+        <pc:sldMkLst>
+          <pc:docMk/>
+          <pc:sldMk cId="486689064" sldId="259"/>
+        </pc:sldMkLst>
+        <pc:spChg chg="mod">
+          <ac:chgData name="John Falcone" userId="1fac64da71420b81" providerId="LiveId" clId="{A799029E-5BF6-4217-9527-3ABED80F9392}" dt="2020-07-30T23:42:02.344" v="222" actId="1076"/>
+          <ac:spMkLst>
+            <pc:docMk/>
+            <pc:sldMk cId="486689064" sldId="259"/>
+            <ac:spMk id="3" creationId="{9FD2927D-9CBD-4441-8C00-FC8E50D36E25}"/>
+          </ac:spMkLst>
+        </pc:spChg>
+        <pc:picChg chg="add mod">
+          <ac:chgData name="John Falcone" userId="1fac64da71420b81" providerId="LiveId" clId="{A799029E-5BF6-4217-9527-3ABED80F9392}" dt="2020-07-30T23:42:17.948" v="228" actId="1076"/>
+          <ac:picMkLst>
+            <pc:docMk/>
+            <pc:sldMk cId="486689064" sldId="259"/>
+            <ac:picMk id="4" creationId="{B31F05AA-0061-41A0-8535-335F747FD417}"/>
+          </ac:picMkLst>
+        </pc:picChg>
+      </pc:sldChg>
+      <pc:sldChg chg="addSp delSp modSp new del mod setBg modClrScheme setClrOvrMap chgLayout">
+        <pc:chgData name="John Falcone" userId="1fac64da71420b81" providerId="LiveId" clId="{A799029E-5BF6-4217-9527-3ABED80F9392}" dt="2020-07-30T23:42:27.859" v="229" actId="2696"/>
+        <pc:sldMkLst>
+          <pc:docMk/>
+          <pc:sldMk cId="292278666" sldId="260"/>
+        </pc:sldMkLst>
+        <pc:spChg chg="del mod ord">
+          <ac:chgData name="John Falcone" userId="1fac64da71420b81" providerId="LiveId" clId="{A799029E-5BF6-4217-9527-3ABED80F9392}" dt="2020-07-30T23:27:38.179" v="43" actId="700"/>
+          <ac:spMkLst>
+            <pc:docMk/>
+            <pc:sldMk cId="292278666" sldId="260"/>
+            <ac:spMk id="2" creationId="{72813680-0FC0-4F78-96B3-8D3407B2C668}"/>
+          </ac:spMkLst>
+        </pc:spChg>
+        <pc:spChg chg="del mod ord">
+          <ac:chgData name="John Falcone" userId="1fac64da71420b81" providerId="LiveId" clId="{A799029E-5BF6-4217-9527-3ABED80F9392}" dt="2020-07-30T23:27:38.179" v="43" actId="700"/>
+          <ac:spMkLst>
+            <pc:docMk/>
+            <pc:sldMk cId="292278666" sldId="260"/>
+            <ac:spMk id="3" creationId="{4B85C7B7-B86E-4BFC-9A23-1AB4FCC1FFBE}"/>
+          </ac:spMkLst>
+        </pc:spChg>
+        <pc:spChg chg="add mod ord">
+          <ac:chgData name="John Falcone" userId="1fac64da71420b81" providerId="LiveId" clId="{A799029E-5BF6-4217-9527-3ABED80F9392}" dt="2020-07-30T23:40:07.976" v="200" actId="27636"/>
+          <ac:spMkLst>
+            <pc:docMk/>
+            <pc:sldMk cId="292278666" sldId="260"/>
+            <ac:spMk id="4" creationId="{DD1F0F71-0222-43C4-9D81-90E964A82446}"/>
+          </ac:spMkLst>
+        </pc:spChg>
+        <pc:spChg chg="add del mod ord">
+          <ac:chgData name="John Falcone" userId="1fac64da71420b81" providerId="LiveId" clId="{A799029E-5BF6-4217-9527-3ABED80F9392}" dt="2020-07-30T23:36:56.602" v="44" actId="931"/>
+          <ac:spMkLst>
+            <pc:docMk/>
+            <pc:sldMk cId="292278666" sldId="260"/>
+            <ac:spMk id="5" creationId="{99C33611-C503-45D1-95E3-25F6294CC4E7}"/>
+          </ac:spMkLst>
+        </pc:spChg>
+        <pc:spChg chg="add mod ord">
+          <ac:chgData name="John Falcone" userId="1fac64da71420b81" providerId="LiveId" clId="{A799029E-5BF6-4217-9527-3ABED80F9392}" dt="2020-07-30T23:40:54.296" v="211" actId="12"/>
+          <ac:spMkLst>
+            <pc:docMk/>
+            <pc:sldMk cId="292278666" sldId="260"/>
+            <ac:spMk id="6" creationId="{C50CAD13-9F10-4623-BCE2-B6335BBA8218}"/>
+          </ac:spMkLst>
+        </pc:spChg>
+        <pc:spChg chg="add mod">
+          <ac:chgData name="John Falcone" userId="1fac64da71420b81" providerId="LiveId" clId="{A799029E-5BF6-4217-9527-3ABED80F9392}" dt="2020-07-30T23:42:07.373" v="224" actId="21"/>
+          <ac:spMkLst>
+            <pc:docMk/>
+            <pc:sldMk cId="292278666" sldId="260"/>
+            <ac:spMk id="10" creationId="{0B688128-4DA6-4615-8729-159EC49FB185}"/>
+          </ac:spMkLst>
+        </pc:spChg>
+        <pc:spChg chg="add del">
+          <ac:chgData name="John Falcone" userId="1fac64da71420b81" providerId="LiveId" clId="{A799029E-5BF6-4217-9527-3ABED80F9392}" dt="2020-07-30T23:39:51.456" v="196" actId="26606"/>
+          <ac:spMkLst>
+            <pc:docMk/>
+            <pc:sldMk cId="292278666" sldId="260"/>
+            <ac:spMk id="17" creationId="{4AC0CD9D-7610-4620-93B4-798CCD9AB581}"/>
+          </ac:spMkLst>
+        </pc:spChg>
+        <pc:spChg chg="add del">
+          <ac:chgData name="John Falcone" userId="1fac64da71420b81" providerId="LiveId" clId="{A799029E-5BF6-4217-9527-3ABED80F9392}" dt="2020-07-30T23:39:51.456" v="196" actId="26606"/>
+          <ac:spMkLst>
+            <pc:docMk/>
+            <pc:sldMk cId="292278666" sldId="260"/>
+            <ac:spMk id="23" creationId="{DE4D62F9-188E-4530-84C2-24BDEE4BEB82}"/>
+          </ac:spMkLst>
+        </pc:spChg>
+        <pc:spChg chg="add del">
+          <ac:chgData name="John Falcone" userId="1fac64da71420b81" providerId="LiveId" clId="{A799029E-5BF6-4217-9527-3ABED80F9392}" dt="2020-07-30T23:39:51.456" v="196" actId="26606"/>
+          <ac:spMkLst>
+            <pc:docMk/>
+            <pc:sldMk cId="292278666" sldId="260"/>
+            <ac:spMk id="25" creationId="{757B325C-3E35-45CF-9D07-3BCB281F3B9C}"/>
+          </ac:spMkLst>
+        </pc:spChg>
+        <pc:spChg chg="add del">
+          <ac:chgData name="John Falcone" userId="1fac64da71420b81" providerId="LiveId" clId="{A799029E-5BF6-4217-9527-3ABED80F9392}" dt="2020-07-30T23:39:51.456" v="196" actId="26606"/>
+          <ac:spMkLst>
+            <pc:docMk/>
+            <pc:sldMk cId="292278666" sldId="260"/>
+            <ac:spMk id="27" creationId="{C24BEC42-AFF3-40D1-93A2-A27A42E1E23C}"/>
+          </ac:spMkLst>
+        </pc:spChg>
+        <pc:spChg chg="add del">
+          <ac:chgData name="John Falcone" userId="1fac64da71420b81" providerId="LiveId" clId="{A799029E-5BF6-4217-9527-3ABED80F9392}" dt="2020-07-30T23:39:51.456" v="196" actId="26606"/>
+          <ac:spMkLst>
+            <pc:docMk/>
+            <pc:sldMk cId="292278666" sldId="260"/>
+            <ac:spMk id="29" creationId="{608F427C-1EC9-4280-9367-F2B3AA063E82}"/>
+          </ac:spMkLst>
+        </pc:spChg>
+        <pc:spChg chg="add del">
+          <ac:chgData name="John Falcone" userId="1fac64da71420b81" providerId="LiveId" clId="{A799029E-5BF6-4217-9527-3ABED80F9392}" dt="2020-07-30T23:39:51.456" v="196" actId="26606"/>
+          <ac:spMkLst>
+            <pc:docMk/>
+            <pc:sldMk cId="292278666" sldId="260"/>
+            <ac:spMk id="31" creationId="{F98810A7-E114-447A-A7D6-69B27CFB5650}"/>
+          </ac:spMkLst>
+        </pc:spChg>
+        <pc:spChg chg="add">
+          <ac:chgData name="John Falcone" userId="1fac64da71420b81" providerId="LiveId" clId="{A799029E-5BF6-4217-9527-3ABED80F9392}" dt="2020-07-30T23:39:51.456" v="196" actId="26606"/>
+          <ac:spMkLst>
+            <pc:docMk/>
+            <pc:sldMk cId="292278666" sldId="260"/>
+            <ac:spMk id="40" creationId="{989BE678-777B-482A-A616-FEDC47B162E5}"/>
+          </ac:spMkLst>
+        </pc:spChg>
+        <pc:spChg chg="add">
+          <ac:chgData name="John Falcone" userId="1fac64da71420b81" providerId="LiveId" clId="{A799029E-5BF6-4217-9527-3ABED80F9392}" dt="2020-07-30T23:39:51.456" v="196" actId="26606"/>
+          <ac:spMkLst>
+            <pc:docMk/>
+            <pc:sldMk cId="292278666" sldId="260"/>
+            <ac:spMk id="46" creationId="{D28BE0C3-2102-4820-B88B-A448B1840D14}"/>
+          </ac:spMkLst>
+        </pc:spChg>
+        <pc:picChg chg="add del mod ord">
+          <ac:chgData name="John Falcone" userId="1fac64da71420b81" providerId="LiveId" clId="{A799029E-5BF6-4217-9527-3ABED80F9392}" dt="2020-07-30T23:42:07.373" v="224" actId="21"/>
+          <ac:picMkLst>
+            <pc:docMk/>
+            <pc:sldMk cId="292278666" sldId="260"/>
+            <ac:picMk id="8" creationId="{85904D7C-CA6C-4B84-8887-5216D9338006}"/>
+          </ac:picMkLst>
+        </pc:picChg>
+        <pc:picChg chg="add del">
+          <ac:chgData name="John Falcone" userId="1fac64da71420b81" providerId="LiveId" clId="{A799029E-5BF6-4217-9527-3ABED80F9392}" dt="2020-07-30T23:39:51.456" v="196" actId="26606"/>
+          <ac:picMkLst>
+            <pc:docMk/>
+            <pc:sldMk cId="292278666" sldId="260"/>
+            <ac:picMk id="13" creationId="{41B68C77-138E-4BF7-A276-BD0C78A4219F}"/>
+          </ac:picMkLst>
+        </pc:picChg>
+        <pc:picChg chg="add del">
+          <ac:chgData name="John Falcone" userId="1fac64da71420b81" providerId="LiveId" clId="{A799029E-5BF6-4217-9527-3ABED80F9392}" dt="2020-07-30T23:39:51.456" v="196" actId="26606"/>
+          <ac:picMkLst>
+            <pc:docMk/>
+            <pc:sldMk cId="292278666" sldId="260"/>
+            <ac:picMk id="15" creationId="{7C268552-D473-46ED-B1B8-422042C4DEF1}"/>
+          </ac:picMkLst>
+        </pc:picChg>
+        <pc:picChg chg="add del">
+          <ac:chgData name="John Falcone" userId="1fac64da71420b81" providerId="LiveId" clId="{A799029E-5BF6-4217-9527-3ABED80F9392}" dt="2020-07-30T23:39:51.456" v="196" actId="26606"/>
+          <ac:picMkLst>
+            <pc:docMk/>
+            <pc:sldMk cId="292278666" sldId="260"/>
+            <ac:picMk id="19" creationId="{B9238B3E-24AA-439A-B527-6C5DF6D72145}"/>
+          </ac:picMkLst>
+        </pc:picChg>
+        <pc:picChg chg="add del">
+          <ac:chgData name="John Falcone" userId="1fac64da71420b81" providerId="LiveId" clId="{A799029E-5BF6-4217-9527-3ABED80F9392}" dt="2020-07-30T23:39:51.456" v="196" actId="26606"/>
+          <ac:picMkLst>
+            <pc:docMk/>
+            <pc:sldMk cId="292278666" sldId="260"/>
+            <ac:picMk id="21" creationId="{69F01145-BEA3-4CBF-AA21-10077B948CA8}"/>
+          </ac:picMkLst>
+        </pc:picChg>
+        <pc:picChg chg="add">
+          <ac:chgData name="John Falcone" userId="1fac64da71420b81" providerId="LiveId" clId="{A799029E-5BF6-4217-9527-3ABED80F9392}" dt="2020-07-30T23:39:51.456" v="196" actId="26606"/>
+          <ac:picMkLst>
+            <pc:docMk/>
+            <pc:sldMk cId="292278666" sldId="260"/>
+            <ac:picMk id="36" creationId="{DF19BAF3-7E20-4B9D-B544-BABAEEA1FA75}"/>
+          </ac:picMkLst>
+        </pc:picChg>
+        <pc:picChg chg="add">
+          <ac:chgData name="John Falcone" userId="1fac64da71420b81" providerId="LiveId" clId="{A799029E-5BF6-4217-9527-3ABED80F9392}" dt="2020-07-30T23:39:51.456" v="196" actId="26606"/>
+          <ac:picMkLst>
+            <pc:docMk/>
+            <pc:sldMk cId="292278666" sldId="260"/>
+            <ac:picMk id="38" creationId="{950648F4-ABCD-4DF0-8641-76CFB2354721}"/>
+          </ac:picMkLst>
+        </pc:picChg>
+        <pc:picChg chg="add">
+          <ac:chgData name="John Falcone" userId="1fac64da71420b81" providerId="LiveId" clId="{A799029E-5BF6-4217-9527-3ABED80F9392}" dt="2020-07-30T23:39:51.456" v="196" actId="26606"/>
+          <ac:picMkLst>
+            <pc:docMk/>
+            <pc:sldMk cId="292278666" sldId="260"/>
+            <ac:picMk id="42" creationId="{CF1EB4BD-9C7E-4AA3-9681-C7EB0DA6250B}"/>
+          </ac:picMkLst>
+        </pc:picChg>
+        <pc:picChg chg="add">
+          <ac:chgData name="John Falcone" userId="1fac64da71420b81" providerId="LiveId" clId="{A799029E-5BF6-4217-9527-3ABED80F9392}" dt="2020-07-30T23:39:51.456" v="196" actId="26606"/>
+          <ac:picMkLst>
+            <pc:docMk/>
+            <pc:sldMk cId="292278666" sldId="260"/>
+            <ac:picMk id="44" creationId="{94AAE3AA-3759-4D28-B0EF-575F25A5146C}"/>
+          </ac:picMkLst>
+        </pc:picChg>
+      </pc:sldChg>
+    </pc:docChg>
+  </pc:docChgLst>
+</pc:chgInfo>
 </file>
 
 <file path=ppt/diagrams/colors1.xml><?xml version="1.0" encoding="utf-8"?>
@@ -9620,17 +9876,26 @@
               <a:rPr lang="en-US" dirty="0">
                 <a:latin typeface="Arial Black" panose="020B0A04020102020204" pitchFamily="34" charset="0"/>
               </a:rPr>
-              <a:t>Charlotte Census block groups analysis:</a:t>
+              <a:t>Charlotte </a:t>
+            </a:r>
+            <a:r>
+              <a:rPr lang="en-US" sz="4400" dirty="0">
+                <a:latin typeface="Arial Black" panose="020B0A04020102020204" pitchFamily="34" charset="0"/>
+              </a:rPr>
+              <a:t>Income and Commuting </a:t>
+            </a:r>
+            <a:r>
+              <a:rPr lang="en-US" dirty="0">
+                <a:latin typeface="Arial Black" panose="020B0A04020102020204" pitchFamily="34" charset="0"/>
+              </a:rPr>
+              <a:t>analysis:</a:t>
             </a:r>
             <a:br>
               <a:rPr lang="en-US" dirty="0"/>
             </a:br>
-            <a:r>
-              <a:rPr lang="en-US" sz="3100" dirty="0">
-                <a:latin typeface="Arial Black" panose="020B0A04020102020204" pitchFamily="34" charset="0"/>
-              </a:rPr>
-              <a:t>Income and Commuting</a:t>
-            </a:r>
+            <a:endParaRPr lang="en-US" sz="3100" dirty="0">
+              <a:latin typeface="Arial Black" panose="020B0A04020102020204" pitchFamily="34" charset="0"/>
+            </a:endParaRPr>
           </a:p>
         </p:txBody>
       </p:sp>
@@ -9898,23 +10163,20 @@
         </p:nvSpPr>
         <p:spPr>
           <a:xfrm>
-            <a:off x="1103312" y="1584960"/>
-            <a:ext cx="8946541" cy="4663440"/>
+            <a:off x="750888" y="1484667"/>
+            <a:ext cx="4992687" cy="4920615"/>
           </a:xfrm>
         </p:spPr>
         <p:txBody>
-          <a:bodyPr/>
+          <a:bodyPr>
+            <a:normAutofit/>
+          </a:bodyPr>
           <a:lstStyle/>
           <a:p>
             <a:r>
               <a:rPr lang="en-US" dirty="0"/>
-              <a:t>Charlotte NC has its own API’s available for free to use by anyone, these data sets are both for years 2011-2015, so while not a current analysis it should be enough data to see trends and analyze for the future.</a:t>
-            </a:r>
-            <a:endParaRPr lang="en-US" dirty="0">
-              <a:hlinkClick r:id="rId2"/>
-            </a:endParaRPr>
-          </a:p>
-          <a:p>
+              <a:t>Charlotte NC has its own API’s available for free to use by anyone, these data sets are both for years 2011-2015, so while not a current analysis it should be enough data to see trends and analyze for the future. This API uses census data </a:t>
+            </a:r>
             <a:endParaRPr lang="en-US" dirty="0">
               <a:hlinkClick r:id="rId2"/>
             </a:endParaRPr>
@@ -9929,9 +10191,6 @@
             <a:endParaRPr lang="en-US" dirty="0"/>
           </a:p>
           <a:p>
-            <a:endParaRPr lang="en-US" dirty="0"/>
-          </a:p>
-          <a:p>
             <a:r>
               <a:rPr lang="en-US" dirty="0">
                 <a:hlinkClick r:id="rId3"/>
@@ -9945,6 +10204,48 @@
           </a:p>
         </p:txBody>
       </p:sp>
+      <p:pic>
+        <p:nvPicPr>
+          <p:cNvPr id="4" name="Content Placeholder 7" descr="A close up of a map&#10;&#10;Description automatically generated">
+            <a:extLst>
+              <a:ext uri="{FF2B5EF4-FFF2-40B4-BE49-F238E27FC236}">
+                <a16:creationId xmlns:a16="http://schemas.microsoft.com/office/drawing/2014/main" id="{B31F05AA-0061-41A0-8535-335F747FD417}"/>
+              </a:ext>
+            </a:extLst>
+          </p:cNvPr>
+          <p:cNvPicPr>
+            <a:picLocks noChangeAspect="1"/>
+          </p:cNvPicPr>
+          <p:nvPr/>
+        </p:nvPicPr>
+        <p:blipFill rotWithShape="1">
+          <a:blip r:embed="rId4">
+            <a:extLst>
+              <a:ext uri="{28A0092B-C50C-407E-A947-70E740481C1C}">
+                <a14:useLocalDpi xmlns:a14="http://schemas.microsoft.com/office/drawing/2010/main" val="0"/>
+              </a:ext>
+            </a:extLst>
+          </a:blip>
+          <a:srcRect r="2" b="2492"/>
+          <a:stretch/>
+        </p:blipFill>
+        <p:spPr>
+          <a:xfrm>
+            <a:off x="6023607" y="1484667"/>
+            <a:ext cx="5602449" cy="4547907"/>
+          </a:xfrm>
+          <a:prstGeom prst="rect">
+            <a:avLst/>
+          </a:prstGeom>
+          <a:effectLst>
+            <a:outerShdw blurRad="50800" dist="38100" dir="5400000" algn="t" rotWithShape="0">
+              <a:prstClr val="black">
+                <a:alpha val="43000"/>
+              </a:prstClr>
+            </a:outerShdw>
+          </a:effectLst>
+        </p:spPr>
+      </p:pic>
     </p:spTree>
     <p:extLst>
       <p:ext uri="{BB962C8B-B14F-4D97-AF65-F5344CB8AC3E}">

--- a/Charlotte income vs commute.pptx
+++ b/Charlotte income vs commute.pptx
@@ -9,6 +9,10 @@
     <p:sldId id="257" r:id="rId3"/>
     <p:sldId id="258" r:id="rId4"/>
     <p:sldId id="259" r:id="rId5"/>
+    <p:sldId id="263" r:id="rId6"/>
+    <p:sldId id="260" r:id="rId7"/>
+    <p:sldId id="261" r:id="rId8"/>
+    <p:sldId id="262" r:id="rId9"/>
   </p:sldIdLst>
   <p:sldSz cx="12192000" cy="6858000"/>
   <p:notesSz cx="6858000" cy="9144000"/>
@@ -118,7 +122,7 @@
 <file path=ppt/revisionInfo.xml><?xml version="1.0" encoding="utf-8"?>
 <p1510:revInfo xmlns:a="http://schemas.openxmlformats.org/drawingml/2006/main" xmlns:r="http://schemas.openxmlformats.org/officeDocument/2006/relationships" xmlns:p1510="http://schemas.microsoft.com/office/powerpoint/2015/10/main">
   <p1510:revLst>
-    <p1510:client id="{A799029E-5BF6-4217-9527-3ABED80F9392}" v="5" dt="2020-07-30T23:42:10.437"/>
+    <p1510:client id="{A799029E-5BF6-4217-9527-3ABED80F9392}" v="19" dt="2020-07-31T01:02:30.255"/>
   </p1510:revLst>
 </p1510:revInfo>
 </file>
@@ -127,34 +131,88 @@
 <pc:chgInfo xmlns:a="http://schemas.openxmlformats.org/drawingml/2006/main" xmlns:r="http://schemas.openxmlformats.org/officeDocument/2006/relationships" xmlns:ac="http://schemas.microsoft.com/office/drawing/2013/main/command" xmlns:pc="http://schemas.microsoft.com/office/powerpoint/2013/main/command">
   <pc:docChgLst>
     <pc:chgData name="John Falcone" userId="1fac64da71420b81" providerId="LiveId" clId="{A799029E-5BF6-4217-9527-3ABED80F9392}"/>
-    <pc:docChg chg="custSel mod addSld delSld modSld">
-      <pc:chgData name="John Falcone" userId="1fac64da71420b81" providerId="LiveId" clId="{A799029E-5BF6-4217-9527-3ABED80F9392}" dt="2020-07-30T23:42:27.859" v="229" actId="2696"/>
+    <pc:docChg chg="undo custSel mod addSld delSld modSld">
+      <pc:chgData name="John Falcone" userId="1fac64da71420b81" providerId="LiveId" clId="{A799029E-5BF6-4217-9527-3ABED80F9392}" dt="2020-07-31T01:02:44.583" v="1364" actId="1076"/>
       <pc:docMkLst>
         <pc:docMk/>
       </pc:docMkLst>
       <pc:sldChg chg="modSp mod">
-        <pc:chgData name="John Falcone" userId="1fac64da71420b81" providerId="LiveId" clId="{A799029E-5BF6-4217-9527-3ABED80F9392}" dt="2020-07-30T23:23:21.459" v="2"/>
+        <pc:chgData name="John Falcone" userId="1fac64da71420b81" providerId="LiveId" clId="{A799029E-5BF6-4217-9527-3ABED80F9392}" dt="2020-07-31T00:45:48.031" v="321" actId="2711"/>
+        <pc:sldMkLst>
+          <pc:docMk/>
+          <pc:sldMk cId="1763764294" sldId="256"/>
+        </pc:sldMkLst>
+        <pc:spChg chg="mod">
+          <ac:chgData name="John Falcone" userId="1fac64da71420b81" providerId="LiveId" clId="{A799029E-5BF6-4217-9527-3ABED80F9392}" dt="2020-07-31T00:45:42.164" v="320" actId="2711"/>
+          <ac:spMkLst>
+            <pc:docMk/>
+            <pc:sldMk cId="1763764294" sldId="256"/>
+            <ac:spMk id="2" creationId="{16473F94-E112-4154-BA7F-A11AA564FDC1}"/>
+          </ac:spMkLst>
+        </pc:spChg>
+        <pc:spChg chg="mod">
+          <ac:chgData name="John Falcone" userId="1fac64da71420b81" providerId="LiveId" clId="{A799029E-5BF6-4217-9527-3ABED80F9392}" dt="2020-07-31T00:45:48.031" v="321" actId="2711"/>
+          <ac:spMkLst>
+            <pc:docMk/>
+            <pc:sldMk cId="1763764294" sldId="256"/>
+            <ac:spMk id="3" creationId="{4A30B98D-E3EA-43B2-A7EC-CC5BBB5E59C8}"/>
+          </ac:spMkLst>
+        </pc:spChg>
+      </pc:sldChg>
+      <pc:sldChg chg="modSp mod">
+        <pc:chgData name="John Falcone" userId="1fac64da71420b81" providerId="LiveId" clId="{A799029E-5BF6-4217-9527-3ABED80F9392}" dt="2020-07-31T00:45:59.140" v="323" actId="2711"/>
         <pc:sldMkLst>
           <pc:docMk/>
           <pc:sldMk cId="3095034268" sldId="257"/>
         </pc:sldMkLst>
         <pc:spChg chg="mod">
-          <ac:chgData name="John Falcone" userId="1fac64da71420b81" providerId="LiveId" clId="{A799029E-5BF6-4217-9527-3ABED80F9392}" dt="2020-07-30T23:23:21.459" v="2"/>
+          <ac:chgData name="John Falcone" userId="1fac64da71420b81" providerId="LiveId" clId="{A799029E-5BF6-4217-9527-3ABED80F9392}" dt="2020-07-31T00:45:59.140" v="323" actId="2711"/>
           <ac:spMkLst>
             <pc:docMk/>
             <pc:sldMk cId="3095034268" sldId="257"/>
             <ac:spMk id="2" creationId="{DC36E85C-3FF3-4289-A869-7A7DEAF79237}"/>
           </ac:spMkLst>
         </pc:spChg>
+        <pc:spChg chg="mod">
+          <ac:chgData name="John Falcone" userId="1fac64da71420b81" providerId="LiveId" clId="{A799029E-5BF6-4217-9527-3ABED80F9392}" dt="2020-07-31T00:45:54.013" v="322" actId="2711"/>
+          <ac:spMkLst>
+            <pc:docMk/>
+            <pc:sldMk cId="3095034268" sldId="257"/>
+            <ac:spMk id="3" creationId="{79BD87DD-4AF5-45ED-BB80-04E883EB282E}"/>
+          </ac:spMkLst>
+        </pc:spChg>
+      </pc:sldChg>
+      <pc:sldChg chg="modSp mod">
+        <pc:chgData name="John Falcone" userId="1fac64da71420b81" providerId="LiveId" clId="{A799029E-5BF6-4217-9527-3ABED80F9392}" dt="2020-07-31T00:46:17.992" v="336" actId="20577"/>
+        <pc:sldMkLst>
+          <pc:docMk/>
+          <pc:sldMk cId="2343221697" sldId="258"/>
+        </pc:sldMkLst>
+        <pc:spChg chg="mod">
+          <ac:chgData name="John Falcone" userId="1fac64da71420b81" providerId="LiveId" clId="{A799029E-5BF6-4217-9527-3ABED80F9392}" dt="2020-07-31T00:46:17.992" v="336" actId="20577"/>
+          <ac:spMkLst>
+            <pc:docMk/>
+            <pc:sldMk cId="2343221697" sldId="258"/>
+            <ac:spMk id="2" creationId="{81927442-997C-4DCA-8067-4CA2D0AA05C3}"/>
+          </ac:spMkLst>
+        </pc:spChg>
       </pc:sldChg>
       <pc:sldChg chg="addSp modSp mod">
-        <pc:chgData name="John Falcone" userId="1fac64da71420b81" providerId="LiveId" clId="{A799029E-5BF6-4217-9527-3ABED80F9392}" dt="2020-07-30T23:42:17.948" v="228" actId="1076"/>
+        <pc:chgData name="John Falcone" userId="1fac64da71420b81" providerId="LiveId" clId="{A799029E-5BF6-4217-9527-3ABED80F9392}" dt="2020-07-31T00:50:40.221" v="598" actId="27636"/>
         <pc:sldMkLst>
           <pc:docMk/>
           <pc:sldMk cId="486689064" sldId="259"/>
         </pc:sldMkLst>
         <pc:spChg chg="mod">
-          <ac:chgData name="John Falcone" userId="1fac64da71420b81" providerId="LiveId" clId="{A799029E-5BF6-4217-9527-3ABED80F9392}" dt="2020-07-30T23:42:02.344" v="222" actId="1076"/>
+          <ac:chgData name="John Falcone" userId="1fac64da71420b81" providerId="LiveId" clId="{A799029E-5BF6-4217-9527-3ABED80F9392}" dt="2020-07-31T00:50:35.519" v="596" actId="2711"/>
+          <ac:spMkLst>
+            <pc:docMk/>
+            <pc:sldMk cId="486689064" sldId="259"/>
+            <ac:spMk id="2" creationId="{F9161187-262D-41DF-A195-77141C408EC3}"/>
+          </ac:spMkLst>
+        </pc:spChg>
+        <pc:spChg chg="mod">
+          <ac:chgData name="John Falcone" userId="1fac64da71420b81" providerId="LiveId" clId="{A799029E-5BF6-4217-9527-3ABED80F9392}" dt="2020-07-31T00:50:40.221" v="598" actId="27636"/>
           <ac:spMkLst>
             <pc:docMk/>
             <pc:sldMk cId="486689064" sldId="259"/>
@@ -167,6 +225,101 @@
             <pc:docMk/>
             <pc:sldMk cId="486689064" sldId="259"/>
             <ac:picMk id="4" creationId="{B31F05AA-0061-41A0-8535-335F747FD417}"/>
+          </ac:picMkLst>
+        </pc:picChg>
+      </pc:sldChg>
+      <pc:sldChg chg="addSp delSp modSp new mod modClrScheme chgLayout">
+        <pc:chgData name="John Falcone" userId="1fac64da71420b81" providerId="LiveId" clId="{A799029E-5BF6-4217-9527-3ABED80F9392}" dt="2020-07-31T00:48:00.504" v="573" actId="20577"/>
+        <pc:sldMkLst>
+          <pc:docMk/>
+          <pc:sldMk cId="39234438" sldId="260"/>
+        </pc:sldMkLst>
+        <pc:spChg chg="del mod ord">
+          <ac:chgData name="John Falcone" userId="1fac64da71420b81" providerId="LiveId" clId="{A799029E-5BF6-4217-9527-3ABED80F9392}" dt="2020-07-31T00:40:17.310" v="231" actId="700"/>
+          <ac:spMkLst>
+            <pc:docMk/>
+            <pc:sldMk cId="39234438" sldId="260"/>
+            <ac:spMk id="2" creationId="{B4416F36-8E6B-4B41-AE9C-88617CF443C9}"/>
+          </ac:spMkLst>
+        </pc:spChg>
+        <pc:spChg chg="del mod ord">
+          <ac:chgData name="John Falcone" userId="1fac64da71420b81" providerId="LiveId" clId="{A799029E-5BF6-4217-9527-3ABED80F9392}" dt="2020-07-31T00:40:17.310" v="231" actId="700"/>
+          <ac:spMkLst>
+            <pc:docMk/>
+            <pc:sldMk cId="39234438" sldId="260"/>
+            <ac:spMk id="3" creationId="{0851D0CB-BA0E-4151-9DBB-0D561EE53BF5}"/>
+          </ac:spMkLst>
+        </pc:spChg>
+        <pc:spChg chg="add mod ord">
+          <ac:chgData name="John Falcone" userId="1fac64da71420b81" providerId="LiveId" clId="{A799029E-5BF6-4217-9527-3ABED80F9392}" dt="2020-07-31T00:42:48.278" v="287" actId="20577"/>
+          <ac:spMkLst>
+            <pc:docMk/>
+            <pc:sldMk cId="39234438" sldId="260"/>
+            <ac:spMk id="4" creationId="{26365D11-F06F-43A0-B570-9EB45DCA6777}"/>
+          </ac:spMkLst>
+        </pc:spChg>
+        <pc:spChg chg="add del mod ord">
+          <ac:chgData name="John Falcone" userId="1fac64da71420b81" providerId="LiveId" clId="{A799029E-5BF6-4217-9527-3ABED80F9392}" dt="2020-07-31T00:43:07.684" v="288" actId="931"/>
+          <ac:spMkLst>
+            <pc:docMk/>
+            <pc:sldMk cId="39234438" sldId="260"/>
+            <ac:spMk id="5" creationId="{CC607E7E-66CA-4090-9628-1032C8084B31}"/>
+          </ac:spMkLst>
+        </pc:spChg>
+        <pc:spChg chg="add del mod ord">
+          <ac:chgData name="John Falcone" userId="1fac64da71420b81" providerId="LiveId" clId="{A799029E-5BF6-4217-9527-3ABED80F9392}" dt="2020-07-31T00:43:20.564" v="291" actId="931"/>
+          <ac:spMkLst>
+            <pc:docMk/>
+            <pc:sldMk cId="39234438" sldId="260"/>
+            <ac:spMk id="6" creationId="{149F1B0A-80F5-454B-9EF7-DDDAC05C562A}"/>
+          </ac:spMkLst>
+        </pc:spChg>
+        <pc:spChg chg="add del mod">
+          <ac:chgData name="John Falcone" userId="1fac64da71420b81" providerId="LiveId" clId="{A799029E-5BF6-4217-9527-3ABED80F9392}" dt="2020-07-31T00:44:27.906" v="306"/>
+          <ac:spMkLst>
+            <pc:docMk/>
+            <pc:sldMk cId="39234438" sldId="260"/>
+            <ac:spMk id="11" creationId="{739DE6BC-914A-4ADF-A8E3-62A44BDDE683}"/>
+          </ac:spMkLst>
+        </pc:spChg>
+        <pc:spChg chg="add del mod">
+          <ac:chgData name="John Falcone" userId="1fac64da71420b81" providerId="LiveId" clId="{A799029E-5BF6-4217-9527-3ABED80F9392}" dt="2020-07-31T00:44:27.907" v="308"/>
+          <ac:spMkLst>
+            <pc:docMk/>
+            <pc:sldMk cId="39234438" sldId="260"/>
+            <ac:spMk id="12" creationId="{D3675576-2BE8-4A28-A83F-9DA5D99F2F04}"/>
+          </ac:spMkLst>
+        </pc:spChg>
+        <pc:spChg chg="add del mod">
+          <ac:chgData name="John Falcone" userId="1fac64da71420b81" providerId="LiveId" clId="{A799029E-5BF6-4217-9527-3ABED80F9392}" dt="2020-07-31T00:45:10.988" v="317"/>
+          <ac:spMkLst>
+            <pc:docMk/>
+            <pc:sldMk cId="39234438" sldId="260"/>
+            <ac:spMk id="13" creationId="{16C647F3-961C-41BC-BA0C-D92AE0039B1D}"/>
+          </ac:spMkLst>
+        </pc:spChg>
+        <pc:spChg chg="add mod">
+          <ac:chgData name="John Falcone" userId="1fac64da71420b81" providerId="LiveId" clId="{A799029E-5BF6-4217-9527-3ABED80F9392}" dt="2020-07-31T00:48:00.504" v="573" actId="20577"/>
+          <ac:spMkLst>
+            <pc:docMk/>
+            <pc:sldMk cId="39234438" sldId="260"/>
+            <ac:spMk id="14" creationId="{2AD19BE1-CA4B-4F23-8743-CA78131A1484}"/>
+          </ac:spMkLst>
+        </pc:spChg>
+        <pc:picChg chg="add mod">
+          <ac:chgData name="John Falcone" userId="1fac64da71420b81" providerId="LiveId" clId="{A799029E-5BF6-4217-9527-3ABED80F9392}" dt="2020-07-31T00:44:46.317" v="312" actId="1076"/>
+          <ac:picMkLst>
+            <pc:docMk/>
+            <pc:sldMk cId="39234438" sldId="260"/>
+            <ac:picMk id="8" creationId="{CA3C2A68-DB5A-4AFD-8EA5-E12BBDB9AB15}"/>
+          </ac:picMkLst>
+        </pc:picChg>
+        <pc:picChg chg="add mod">
+          <ac:chgData name="John Falcone" userId="1fac64da71420b81" providerId="LiveId" clId="{A799029E-5BF6-4217-9527-3ABED80F9392}" dt="2020-07-31T00:44:47.739" v="313" actId="1076"/>
+          <ac:picMkLst>
+            <pc:docMk/>
+            <pc:sldMk cId="39234438" sldId="260"/>
+            <ac:picMk id="10" creationId="{B99101D3-8699-479A-AA1B-3B51DE3745C6}"/>
           </ac:picMkLst>
         </pc:picChg>
       </pc:sldChg>
@@ -358,6 +511,235 @@
             <pc:docMk/>
             <pc:sldMk cId="292278666" sldId="260"/>
             <ac:picMk id="44" creationId="{94AAE3AA-3759-4D28-B0EF-575F25A5146C}"/>
+          </ac:picMkLst>
+        </pc:picChg>
+      </pc:sldChg>
+      <pc:sldChg chg="addSp delSp modSp new mod modClrScheme chgLayout">
+        <pc:chgData name="John Falcone" userId="1fac64da71420b81" providerId="LiveId" clId="{A799029E-5BF6-4217-9527-3ABED80F9392}" dt="2020-07-31T00:54:04.228" v="839" actId="1076"/>
+        <pc:sldMkLst>
+          <pc:docMk/>
+          <pc:sldMk cId="3430302493" sldId="261"/>
+        </pc:sldMkLst>
+        <pc:spChg chg="del">
+          <ac:chgData name="John Falcone" userId="1fac64da71420b81" providerId="LiveId" clId="{A799029E-5BF6-4217-9527-3ABED80F9392}" dt="2020-07-31T00:49:30.418" v="575" actId="700"/>
+          <ac:spMkLst>
+            <pc:docMk/>
+            <pc:sldMk cId="3430302493" sldId="261"/>
+            <ac:spMk id="2" creationId="{7D03FC1E-550A-4B3E-8F20-DDF06125A2E3}"/>
+          </ac:spMkLst>
+        </pc:spChg>
+        <pc:spChg chg="del">
+          <ac:chgData name="John Falcone" userId="1fac64da71420b81" providerId="LiveId" clId="{A799029E-5BF6-4217-9527-3ABED80F9392}" dt="2020-07-31T00:49:30.418" v="575" actId="700"/>
+          <ac:spMkLst>
+            <pc:docMk/>
+            <pc:sldMk cId="3430302493" sldId="261"/>
+            <ac:spMk id="3" creationId="{1615D942-89FB-4AF9-9144-6D056744BED1}"/>
+          </ac:spMkLst>
+        </pc:spChg>
+        <pc:spChg chg="del">
+          <ac:chgData name="John Falcone" userId="1fac64da71420b81" providerId="LiveId" clId="{A799029E-5BF6-4217-9527-3ABED80F9392}" dt="2020-07-31T00:49:30.418" v="575" actId="700"/>
+          <ac:spMkLst>
+            <pc:docMk/>
+            <pc:sldMk cId="3430302493" sldId="261"/>
+            <ac:spMk id="4" creationId="{19273129-BEC8-4B8C-8E63-89BFC5174D31}"/>
+          </ac:spMkLst>
+        </pc:spChg>
+        <pc:spChg chg="add mod">
+          <ac:chgData name="John Falcone" userId="1fac64da71420b81" providerId="LiveId" clId="{A799029E-5BF6-4217-9527-3ABED80F9392}" dt="2020-07-31T00:54:04.228" v="839" actId="1076"/>
+          <ac:spMkLst>
+            <pc:docMk/>
+            <pc:sldMk cId="3430302493" sldId="261"/>
+            <ac:spMk id="5" creationId="{BA809DE7-7906-4896-8D5F-BC71D184188E}"/>
+          </ac:spMkLst>
+        </pc:spChg>
+        <pc:spChg chg="add del mod">
+          <ac:chgData name="John Falcone" userId="1fac64da71420b81" providerId="LiveId" clId="{A799029E-5BF6-4217-9527-3ABED80F9392}" dt="2020-07-31T00:51:07.309" v="629" actId="931"/>
+          <ac:spMkLst>
+            <pc:docMk/>
+            <pc:sldMk cId="3430302493" sldId="261"/>
+            <ac:spMk id="6" creationId="{C6010D36-4822-4DEA-8BB1-083368CC6661}"/>
+          </ac:spMkLst>
+        </pc:spChg>
+        <pc:spChg chg="add del mod">
+          <ac:chgData name="John Falcone" userId="1fac64da71420b81" providerId="LiveId" clId="{A799029E-5BF6-4217-9527-3ABED80F9392}" dt="2020-07-31T00:51:15.079" v="632" actId="478"/>
+          <ac:spMkLst>
+            <pc:docMk/>
+            <pc:sldMk cId="3430302493" sldId="261"/>
+            <ac:spMk id="7" creationId="{3A883216-6249-4E21-B686-9C9FC40A6F5D}"/>
+          </ac:spMkLst>
+        </pc:spChg>
+        <pc:spChg chg="add mod">
+          <ac:chgData name="John Falcone" userId="1fac64da71420b81" providerId="LiveId" clId="{A799029E-5BF6-4217-9527-3ABED80F9392}" dt="2020-07-31T00:53:45.703" v="836" actId="20577"/>
+          <ac:spMkLst>
+            <pc:docMk/>
+            <pc:sldMk cId="3430302493" sldId="261"/>
+            <ac:spMk id="10" creationId="{9E4F1F1F-616B-4388-BCCE-C314C9F71562}"/>
+          </ac:spMkLst>
+        </pc:spChg>
+        <pc:picChg chg="add mod">
+          <ac:chgData name="John Falcone" userId="1fac64da71420b81" providerId="LiveId" clId="{A799029E-5BF6-4217-9527-3ABED80F9392}" dt="2020-07-31T00:53:57.579" v="838" actId="1076"/>
+          <ac:picMkLst>
+            <pc:docMk/>
+            <pc:sldMk cId="3430302493" sldId="261"/>
+            <ac:picMk id="9" creationId="{7175E657-FDEA-4B0E-9761-F1ED4BF94F78}"/>
+          </ac:picMkLst>
+        </pc:picChg>
+      </pc:sldChg>
+      <pc:sldChg chg="addSp delSp modSp new mod setBg">
+        <pc:chgData name="John Falcone" userId="1fac64da71420b81" providerId="LiveId" clId="{A799029E-5BF6-4217-9527-3ABED80F9392}" dt="2020-07-31T01:01:41.625" v="1330" actId="20577"/>
+        <pc:sldMkLst>
+          <pc:docMk/>
+          <pc:sldMk cId="2801619004" sldId="262"/>
+        </pc:sldMkLst>
+        <pc:spChg chg="mod">
+          <ac:chgData name="John Falcone" userId="1fac64da71420b81" providerId="LiveId" clId="{A799029E-5BF6-4217-9527-3ABED80F9392}" dt="2020-07-31T01:00:29.772" v="1198" actId="26606"/>
+          <ac:spMkLst>
+            <pc:docMk/>
+            <pc:sldMk cId="2801619004" sldId="262"/>
+            <ac:spMk id="2" creationId="{79855E5B-A13F-4C06-8D1B-03ECC978A581}"/>
+          </ac:spMkLst>
+        </pc:spChg>
+        <pc:spChg chg="del">
+          <ac:chgData name="John Falcone" userId="1fac64da71420b81" providerId="LiveId" clId="{A799029E-5BF6-4217-9527-3ABED80F9392}" dt="2020-07-31T00:54:44.209" v="881" actId="931"/>
+          <ac:spMkLst>
+            <pc:docMk/>
+            <pc:sldMk cId="2801619004" sldId="262"/>
+            <ac:spMk id="3" creationId="{ADD3F65A-88BD-4E90-A362-BCD72A6C679B}"/>
+          </ac:spMkLst>
+        </pc:spChg>
+        <pc:spChg chg="del">
+          <ac:chgData name="John Falcone" userId="1fac64da71420b81" providerId="LiveId" clId="{A799029E-5BF6-4217-9527-3ABED80F9392}" dt="2020-07-31T00:55:01.494" v="885" actId="931"/>
+          <ac:spMkLst>
+            <pc:docMk/>
+            <pc:sldMk cId="2801619004" sldId="262"/>
+            <ac:spMk id="4" creationId="{66575F30-9165-4D63-A27D-0EB67FA8C27C}"/>
+          </ac:spMkLst>
+        </pc:spChg>
+        <pc:spChg chg="add mod">
+          <ac:chgData name="John Falcone" userId="1fac64da71420b81" providerId="LiveId" clId="{A799029E-5BF6-4217-9527-3ABED80F9392}" dt="2020-07-31T01:01:41.625" v="1330" actId="20577"/>
+          <ac:spMkLst>
+            <pc:docMk/>
+            <pc:sldMk cId="2801619004" sldId="262"/>
+            <ac:spMk id="13" creationId="{57F1DE77-F2A0-4EEC-9F17-73A510FA66E4}"/>
+          </ac:spMkLst>
+        </pc:spChg>
+        <pc:spChg chg="add del">
+          <ac:chgData name="John Falcone" userId="1fac64da71420b81" providerId="LiveId" clId="{A799029E-5BF6-4217-9527-3ABED80F9392}" dt="2020-07-31T01:00:29.772" v="1198" actId="26606"/>
+          <ac:spMkLst>
+            <pc:docMk/>
+            <pc:sldMk cId="2801619004" sldId="262"/>
+            <ac:spMk id="22" creationId="{D6573690-978D-48A4-8645-0E01F8211B71}"/>
+          </ac:spMkLst>
+        </pc:spChg>
+        <pc:spChg chg="add del">
+          <ac:chgData name="John Falcone" userId="1fac64da71420b81" providerId="LiveId" clId="{A799029E-5BF6-4217-9527-3ABED80F9392}" dt="2020-07-31T01:00:29.772" v="1198" actId="26606"/>
+          <ac:spMkLst>
+            <pc:docMk/>
+            <pc:sldMk cId="2801619004" sldId="262"/>
+            <ac:spMk id="28" creationId="{858084FA-40DB-44FC-94DA-93AA71CD6924}"/>
+          </ac:spMkLst>
+        </pc:spChg>
+        <pc:spChg chg="add del">
+          <ac:chgData name="John Falcone" userId="1fac64da71420b81" providerId="LiveId" clId="{A799029E-5BF6-4217-9527-3ABED80F9392}" dt="2020-07-31T01:00:29.772" v="1198" actId="26606"/>
+          <ac:spMkLst>
+            <pc:docMk/>
+            <pc:sldMk cId="2801619004" sldId="262"/>
+            <ac:spMk id="30" creationId="{6B41991E-FEAE-49BB-BDDD-80639BB61C96}"/>
+          </ac:spMkLst>
+        </pc:spChg>
+        <pc:picChg chg="add mod ord">
+          <ac:chgData name="John Falcone" userId="1fac64da71420b81" providerId="LiveId" clId="{A799029E-5BF6-4217-9527-3ABED80F9392}" dt="2020-07-31T01:00:29.772" v="1198" actId="26606"/>
+          <ac:picMkLst>
+            <pc:docMk/>
+            <pc:sldMk cId="2801619004" sldId="262"/>
+            <ac:picMk id="6" creationId="{7DF249AA-1D76-4F6F-9FA7-4F8E5AE81763}"/>
+          </ac:picMkLst>
+        </pc:picChg>
+        <pc:picChg chg="add mod ord">
+          <ac:chgData name="John Falcone" userId="1fac64da71420b81" providerId="LiveId" clId="{A799029E-5BF6-4217-9527-3ABED80F9392}" dt="2020-07-31T01:00:29.772" v="1198" actId="26606"/>
+          <ac:picMkLst>
+            <pc:docMk/>
+            <pc:sldMk cId="2801619004" sldId="262"/>
+            <ac:picMk id="8" creationId="{52838E76-AD20-4854-AD87-71241DE5079C}"/>
+          </ac:picMkLst>
+        </pc:picChg>
+        <pc:picChg chg="add mod ord">
+          <ac:chgData name="John Falcone" userId="1fac64da71420b81" providerId="LiveId" clId="{A799029E-5BF6-4217-9527-3ABED80F9392}" dt="2020-07-31T01:00:29.772" v="1198" actId="26606"/>
+          <ac:picMkLst>
+            <pc:docMk/>
+            <pc:sldMk cId="2801619004" sldId="262"/>
+            <ac:picMk id="10" creationId="{3BA6404C-B90D-4FD4-85B5-D78E1D1BE430}"/>
+          </ac:picMkLst>
+        </pc:picChg>
+        <pc:picChg chg="add mod">
+          <ac:chgData name="John Falcone" userId="1fac64da71420b81" providerId="LiveId" clId="{A799029E-5BF6-4217-9527-3ABED80F9392}" dt="2020-07-31T01:00:29.772" v="1198" actId="26606"/>
+          <ac:picMkLst>
+            <pc:docMk/>
+            <pc:sldMk cId="2801619004" sldId="262"/>
+            <ac:picMk id="12" creationId="{10E4B6B2-DF12-4D1B-8A63-EA745F88C077}"/>
+          </ac:picMkLst>
+        </pc:picChg>
+        <pc:picChg chg="add del">
+          <ac:chgData name="John Falcone" userId="1fac64da71420b81" providerId="LiveId" clId="{A799029E-5BF6-4217-9527-3ABED80F9392}" dt="2020-07-31T01:00:29.772" v="1198" actId="26606"/>
+          <ac:picMkLst>
+            <pc:docMk/>
+            <pc:sldMk cId="2801619004" sldId="262"/>
+            <ac:picMk id="18" creationId="{1530DCFF-08F5-434A-A0D5-F3E89407A615}"/>
+          </ac:picMkLst>
+        </pc:picChg>
+        <pc:picChg chg="add del">
+          <ac:chgData name="John Falcone" userId="1fac64da71420b81" providerId="LiveId" clId="{A799029E-5BF6-4217-9527-3ABED80F9392}" dt="2020-07-31T01:00:29.772" v="1198" actId="26606"/>
+          <ac:picMkLst>
+            <pc:docMk/>
+            <pc:sldMk cId="2801619004" sldId="262"/>
+            <ac:picMk id="20" creationId="{24011A3A-9884-40BF-94F6-0625A0ADD326}"/>
+          </ac:picMkLst>
+        </pc:picChg>
+        <pc:picChg chg="add del">
+          <ac:chgData name="John Falcone" userId="1fac64da71420b81" providerId="LiveId" clId="{A799029E-5BF6-4217-9527-3ABED80F9392}" dt="2020-07-31T01:00:29.772" v="1198" actId="26606"/>
+          <ac:picMkLst>
+            <pc:docMk/>
+            <pc:sldMk cId="2801619004" sldId="262"/>
+            <ac:picMk id="24" creationId="{D4B84446-184D-45CE-9532-48179EAE58C9}"/>
+          </ac:picMkLst>
+        </pc:picChg>
+        <pc:picChg chg="add del">
+          <ac:chgData name="John Falcone" userId="1fac64da71420b81" providerId="LiveId" clId="{A799029E-5BF6-4217-9527-3ABED80F9392}" dt="2020-07-31T01:00:29.772" v="1198" actId="26606"/>
+          <ac:picMkLst>
+            <pc:docMk/>
+            <pc:sldMk cId="2801619004" sldId="262"/>
+            <ac:picMk id="26" creationId="{C9229660-8639-44E7-B486-7436516E6B62}"/>
+          </ac:picMkLst>
+        </pc:picChg>
+      </pc:sldChg>
+      <pc:sldChg chg="addSp delSp modSp new mod">
+        <pc:chgData name="John Falcone" userId="1fac64da71420b81" providerId="LiveId" clId="{A799029E-5BF6-4217-9527-3ABED80F9392}" dt="2020-07-31T01:02:44.583" v="1364" actId="1076"/>
+        <pc:sldMkLst>
+          <pc:docMk/>
+          <pc:sldMk cId="4234809153" sldId="263"/>
+        </pc:sldMkLst>
+        <pc:spChg chg="mod">
+          <ac:chgData name="John Falcone" userId="1fac64da71420b81" providerId="LiveId" clId="{A799029E-5BF6-4217-9527-3ABED80F9392}" dt="2020-07-31T01:02:24.112" v="1358" actId="20577"/>
+          <ac:spMkLst>
+            <pc:docMk/>
+            <pc:sldMk cId="4234809153" sldId="263"/>
+            <ac:spMk id="2" creationId="{EF61FAED-6EAC-4C7C-B2E5-89CD3F088CD9}"/>
+          </ac:spMkLst>
+        </pc:spChg>
+        <pc:spChg chg="del">
+          <ac:chgData name="John Falcone" userId="1fac64da71420b81" providerId="LiveId" clId="{A799029E-5BF6-4217-9527-3ABED80F9392}" dt="2020-07-31T01:02:30.255" v="1359" actId="931"/>
+          <ac:spMkLst>
+            <pc:docMk/>
+            <pc:sldMk cId="4234809153" sldId="263"/>
+            <ac:spMk id="3" creationId="{F13EAD69-F274-4548-BB01-A53289529FBE}"/>
+          </ac:spMkLst>
+        </pc:spChg>
+        <pc:picChg chg="add mod">
+          <ac:chgData name="John Falcone" userId="1fac64da71420b81" providerId="LiveId" clId="{A799029E-5BF6-4217-9527-3ABED80F9392}" dt="2020-07-31T01:02:44.583" v="1364" actId="1076"/>
+          <ac:picMkLst>
+            <pc:docMk/>
+            <pc:sldMk cId="4234809153" sldId="263"/>
+            <ac:picMk id="5" creationId="{BB8BBF10-7E54-4872-94CB-B231910DF8D2}"/>
           </ac:picMkLst>
         </pc:picChg>
       </pc:sldChg>
@@ -1595,7 +1977,7 @@
         <a:lstStyle/>
         <a:p>
           <a:r>
-            <a:rPr lang="en-US"/>
+            <a:rPr lang="en-US" dirty="0"/>
             <a:t>9. Where is the biggest change in commuting style in the blocks?</a:t>
           </a:r>
         </a:p>
@@ -2476,7 +2858,7 @@
             <a:buNone/>
           </a:pPr>
           <a:r>
-            <a:rPr lang="en-US" sz="1100" kern="1200"/>
+            <a:rPr lang="en-US" sz="1100" kern="1200" dirty="0"/>
             <a:t>9. Where is the biggest change in commuting style in the blocks?</a:t>
           </a:r>
         </a:p>
@@ -9737,9 +10119,7 @@
           <a:lstStyle/>
           <a:p>
             <a:r>
-              <a:rPr lang="en-US" sz="5600" dirty="0">
-                <a:latin typeface="Arial Black" panose="020B0A04020102020204" pitchFamily="34" charset="0"/>
-              </a:rPr>
+              <a:rPr lang="en-US" sz="5600" dirty="0"/>
               <a:t>Charlotte income vs. commuting analysis</a:t>
             </a:r>
           </a:p>
@@ -9775,20 +10155,20 @@
           <a:p>
             <a:r>
               <a:rPr lang="en-US" sz="1000" dirty="0">
-                <a:latin typeface="Arial Black" panose="020B0A04020102020204" pitchFamily="34" charset="0"/>
+                <a:latin typeface="+mn-lt"/>
               </a:rPr>
               <a:t>Project by:</a:t>
             </a:r>
           </a:p>
           <a:p>
             <a:endParaRPr lang="en-US" sz="1000" dirty="0">
-              <a:latin typeface="Arial Black" panose="020B0A04020102020204" pitchFamily="34" charset="0"/>
+              <a:latin typeface="+mn-lt"/>
             </a:endParaRPr>
           </a:p>
           <a:p>
             <a:r>
               <a:rPr lang="en-US" sz="1000" dirty="0">
-                <a:latin typeface="Arial Black" panose="020B0A04020102020204" pitchFamily="34" charset="0"/>
+                <a:latin typeface="+mn-lt"/>
               </a:rPr>
               <a:t>Bandana Deo</a:t>
             </a:r>
@@ -9796,7 +10176,7 @@
           <a:p>
             <a:r>
               <a:rPr lang="en-US" sz="1000" dirty="0">
-                <a:latin typeface="Arial Black" panose="020B0A04020102020204" pitchFamily="34" charset="0"/>
+                <a:latin typeface="+mn-lt"/>
               </a:rPr>
               <a:t>Catlin Smith</a:t>
             </a:r>
@@ -9804,7 +10184,7 @@
           <a:p>
             <a:r>
               <a:rPr lang="en-US" sz="1000" dirty="0">
-                <a:latin typeface="Arial Black" panose="020B0A04020102020204" pitchFamily="34" charset="0"/>
+                <a:latin typeface="+mn-lt"/>
               </a:rPr>
               <a:t>Hunter Johnson</a:t>
             </a:r>
@@ -9812,7 +10192,7 @@
           <a:p>
             <a:r>
               <a:rPr lang="en-US" sz="1000" dirty="0">
-                <a:latin typeface="Arial Black" panose="020B0A04020102020204" pitchFamily="34" charset="0"/>
+                <a:latin typeface="+mn-lt"/>
               </a:rPr>
               <a:t>John Falcone</a:t>
             </a:r>
@@ -9873,21 +10253,15 @@
           <a:lstStyle/>
           <a:p>
             <a:r>
-              <a:rPr lang="en-US" dirty="0">
-                <a:latin typeface="Arial Black" panose="020B0A04020102020204" pitchFamily="34" charset="0"/>
-              </a:rPr>
+              <a:rPr lang="en-US" dirty="0"/>
               <a:t>Charlotte </a:t>
             </a:r>
             <a:r>
-              <a:rPr lang="en-US" sz="4400" dirty="0">
-                <a:latin typeface="Arial Black" panose="020B0A04020102020204" pitchFamily="34" charset="0"/>
-              </a:rPr>
+              <a:rPr lang="en-US" sz="4400" dirty="0"/>
               <a:t>Income and Commuting </a:t>
             </a:r>
             <a:r>
-              <a:rPr lang="en-US" dirty="0">
-                <a:latin typeface="Arial Black" panose="020B0A04020102020204" pitchFamily="34" charset="0"/>
-              </a:rPr>
+              <a:rPr lang="en-US" dirty="0"/>
               <a:t>analysis:</a:t>
             </a:r>
             <a:br>
@@ -9931,7 +10305,9 @@
               <a:buNone/>
             </a:pPr>
             <a:r>
-              <a:rPr lang="en-US" dirty="0"/>
+              <a:rPr lang="en-US" dirty="0">
+                <a:latin typeface="+mn-lt"/>
+              </a:rPr>
               <a:t>With Charlotte being one of the largest growing metro areas in the united states now our team felt it would be a good idea to look at some population metrics and find a correlation between household income and commuting to work. </a:t>
             </a:r>
           </a:p>
@@ -9939,17 +10315,23 @@
             <a:pPr marL="0" indent="0">
               <a:buNone/>
             </a:pPr>
-            <a:endParaRPr lang="en-US" dirty="0"/>
+            <a:endParaRPr lang="en-US" dirty="0">
+              <a:latin typeface="+mn-lt"/>
+            </a:endParaRPr>
           </a:p>
           <a:p>
             <a:r>
-              <a:rPr lang="en-US" sz="2000" dirty="0"/>
+              <a:rPr lang="en-US" sz="2000" dirty="0">
+                <a:latin typeface="+mn-lt"/>
+              </a:rPr>
               <a:t>Hoping to find a large correlation between higher paying jobs in the Charlotte metro area, and single person commuting.</a:t>
             </a:r>
           </a:p>
           <a:p>
             <a:r>
-              <a:rPr lang="en-US" sz="2000" dirty="0"/>
+              <a:rPr lang="en-US" sz="2000" dirty="0">
+                <a:latin typeface="+mn-lt"/>
+              </a:rPr>
               <a:t>Along with more people in poverty having a diverse set of ways to get to work other than single person car commuting.</a:t>
             </a:r>
           </a:p>
@@ -10038,14 +10420,9 @@
           <a:lstStyle/>
           <a:p>
             <a:r>
-              <a:rPr lang="en-US">
-                <a:latin typeface="Arial Black" panose="020B0A04020102020204" pitchFamily="34" charset="0"/>
-              </a:rPr>
-              <a:t>Initial questions:</a:t>
+              <a:rPr lang="en-US" dirty="0"/>
+              <a:t>Initial exploration questions:</a:t>
             </a:r>
-            <a:endParaRPr lang="en-US" dirty="0">
-              <a:latin typeface="Arial Black" panose="020B0A04020102020204" pitchFamily="34" charset="0"/>
-            </a:endParaRPr>
           </a:p>
         </p:txBody>
       </p:sp>
@@ -10137,9 +10514,7 @@
           <a:lstStyle/>
           <a:p>
             <a:r>
-              <a:rPr lang="en-US" dirty="0">
-                <a:latin typeface="Arial Black" panose="020B0A04020102020204" pitchFamily="34" charset="0"/>
-              </a:rPr>
+              <a:rPr lang="en-US" dirty="0"/>
               <a:t>Where did we get our data?</a:t>
             </a:r>
           </a:p>
@@ -10174,30 +10549,39 @@
           <a:lstStyle/>
           <a:p>
             <a:r>
-              <a:rPr lang="en-US" dirty="0"/>
+              <a:rPr lang="en-US" dirty="0">
+                <a:latin typeface="+mn-lt"/>
+              </a:rPr>
               <a:t>Charlotte NC has its own API’s available for free to use by anyone, these data sets are both for years 2011-2015, so while not a current analysis it should be enough data to see trends and analyze for the future. This API uses census data </a:t>
             </a:r>
             <a:endParaRPr lang="en-US" dirty="0">
+              <a:latin typeface="+mn-lt"/>
               <a:hlinkClick r:id="rId2"/>
             </a:endParaRPr>
           </a:p>
           <a:p>
             <a:r>
               <a:rPr lang="en-US" dirty="0">
+                <a:latin typeface="+mn-lt"/>
                 <a:hlinkClick r:id="rId2"/>
               </a:rPr>
               <a:t>https://data.charlottenc.gov/datasets/census-commuting-block-groups</a:t>
             </a:r>
-            <a:endParaRPr lang="en-US" dirty="0"/>
+            <a:endParaRPr lang="en-US" dirty="0">
+              <a:latin typeface="+mn-lt"/>
+            </a:endParaRPr>
           </a:p>
           <a:p>
             <a:r>
               <a:rPr lang="en-US" dirty="0">
+                <a:latin typeface="+mn-lt"/>
                 <a:hlinkClick r:id="rId3"/>
               </a:rPr>
               <a:t>https://data.charlottenc.gov/datasets/census-household-income-block-groups?geometry=-83.097%2C34.866%2C-78.516%2C35.651</a:t>
             </a:r>
-            <a:endParaRPr lang="en-US" dirty="0"/>
+            <a:endParaRPr lang="en-US" dirty="0">
+              <a:latin typeface="+mn-lt"/>
+            </a:endParaRPr>
           </a:p>
           <a:p>
             <a:endParaRPr lang="en-US" dirty="0"/>
@@ -10250,6 +10634,639 @@
     <p:extLst>
       <p:ext uri="{BB962C8B-B14F-4D97-AF65-F5344CB8AC3E}">
         <p14:creationId xmlns:p14="http://schemas.microsoft.com/office/powerpoint/2010/main" val="486689064"/>
+      </p:ext>
+    </p:extLst>
+  </p:cSld>
+  <p:clrMapOvr>
+    <a:masterClrMapping/>
+  </p:clrMapOvr>
+</p:sld>
+</file>
+
+<file path=ppt/slides/slide5.xml><?xml version="1.0" encoding="utf-8"?>
+<p:sld xmlns:a="http://schemas.openxmlformats.org/drawingml/2006/main" xmlns:r="http://schemas.openxmlformats.org/officeDocument/2006/relationships" xmlns:p="http://schemas.openxmlformats.org/presentationml/2006/main">
+  <p:cSld>
+    <p:spTree>
+      <p:nvGrpSpPr>
+        <p:cNvPr id="1" name=""/>
+        <p:cNvGrpSpPr/>
+        <p:nvPr/>
+      </p:nvGrpSpPr>
+      <p:grpSpPr>
+        <a:xfrm>
+          <a:off x="0" y="0"/>
+          <a:ext cx="0" cy="0"/>
+          <a:chOff x="0" y="0"/>
+          <a:chExt cx="0" cy="0"/>
+        </a:xfrm>
+      </p:grpSpPr>
+      <p:sp>
+        <p:nvSpPr>
+          <p:cNvPr id="2" name="Title 1">
+            <a:extLst>
+              <a:ext uri="{FF2B5EF4-FFF2-40B4-BE49-F238E27FC236}">
+                <a16:creationId xmlns:a16="http://schemas.microsoft.com/office/drawing/2014/main" id="{EF61FAED-6EAC-4C7C-B2E5-89CD3F088CD9}"/>
+              </a:ext>
+            </a:extLst>
+          </p:cNvPr>
+          <p:cNvSpPr>
+            <a:spLocks noGrp="1"/>
+          </p:cNvSpPr>
+          <p:nvPr>
+            <p:ph type="title"/>
+          </p:nvPr>
+        </p:nvSpPr>
+        <p:spPr/>
+        <p:txBody>
+          <a:bodyPr/>
+          <a:lstStyle/>
+          <a:p>
+            <a:r>
+              <a:rPr lang="en-US" dirty="0"/>
+              <a:t>How does Mecklenburg move?</a:t>
+            </a:r>
+          </a:p>
+        </p:txBody>
+      </p:sp>
+      <p:pic>
+        <p:nvPicPr>
+          <p:cNvPr id="5" name="Content Placeholder 4" descr="A close up of a logo&#10;&#10;Description automatically generated">
+            <a:extLst>
+              <a:ext uri="{FF2B5EF4-FFF2-40B4-BE49-F238E27FC236}">
+                <a16:creationId xmlns:a16="http://schemas.microsoft.com/office/drawing/2014/main" id="{BB8BBF10-7E54-4872-94CB-B231910DF8D2}"/>
+              </a:ext>
+            </a:extLst>
+          </p:cNvPr>
+          <p:cNvPicPr>
+            <a:picLocks noGrp="1" noChangeAspect="1"/>
+          </p:cNvPicPr>
+          <p:nvPr>
+            <p:ph idx="1"/>
+          </p:nvPr>
+        </p:nvPicPr>
+        <p:blipFill>
+          <a:blip r:embed="rId2">
+            <a:extLst>
+              <a:ext uri="{28A0092B-C50C-407E-A947-70E740481C1C}">
+                <a14:useLocalDpi xmlns:a14="http://schemas.microsoft.com/office/drawing/2010/main" val="0"/>
+              </a:ext>
+            </a:extLst>
+          </a:blip>
+          <a:stretch>
+            <a:fillRect/>
+          </a:stretch>
+        </p:blipFill>
+        <p:spPr>
+          <a:xfrm>
+            <a:off x="732336" y="1282124"/>
+            <a:ext cx="5123158" cy="5123158"/>
+          </a:xfrm>
+        </p:spPr>
+      </p:pic>
+    </p:spTree>
+    <p:extLst>
+      <p:ext uri="{BB962C8B-B14F-4D97-AF65-F5344CB8AC3E}">
+        <p14:creationId xmlns:p14="http://schemas.microsoft.com/office/powerpoint/2010/main" val="4234809153"/>
+      </p:ext>
+    </p:extLst>
+  </p:cSld>
+  <p:clrMapOvr>
+    <a:masterClrMapping/>
+  </p:clrMapOvr>
+</p:sld>
+</file>
+
+<file path=ppt/slides/slide6.xml><?xml version="1.0" encoding="utf-8"?>
+<p:sld xmlns:a="http://schemas.openxmlformats.org/drawingml/2006/main" xmlns:r="http://schemas.openxmlformats.org/officeDocument/2006/relationships" xmlns:p="http://schemas.openxmlformats.org/presentationml/2006/main">
+  <p:cSld>
+    <p:spTree>
+      <p:nvGrpSpPr>
+        <p:cNvPr id="1" name=""/>
+        <p:cNvGrpSpPr/>
+        <p:nvPr/>
+      </p:nvGrpSpPr>
+      <p:grpSpPr>
+        <a:xfrm>
+          <a:off x="0" y="0"/>
+          <a:ext cx="0" cy="0"/>
+          <a:chOff x="0" y="0"/>
+          <a:chExt cx="0" cy="0"/>
+        </a:xfrm>
+      </p:grpSpPr>
+      <p:sp>
+        <p:nvSpPr>
+          <p:cNvPr id="4" name="Title 3">
+            <a:extLst>
+              <a:ext uri="{FF2B5EF4-FFF2-40B4-BE49-F238E27FC236}">
+                <a16:creationId xmlns:a16="http://schemas.microsoft.com/office/drawing/2014/main" id="{26365D11-F06F-43A0-B570-9EB45DCA6777}"/>
+              </a:ext>
+            </a:extLst>
+          </p:cNvPr>
+          <p:cNvSpPr>
+            <a:spLocks noGrp="1"/>
+          </p:cNvSpPr>
+          <p:nvPr>
+            <p:ph type="title"/>
+          </p:nvPr>
+        </p:nvSpPr>
+        <p:spPr/>
+        <p:txBody>
+          <a:bodyPr/>
+          <a:lstStyle/>
+          <a:p>
+            <a:r>
+              <a:rPr lang="en-US" dirty="0"/>
+              <a:t>Top 10 compared to bottom 10 for median income</a:t>
+            </a:r>
+          </a:p>
+        </p:txBody>
+      </p:sp>
+      <p:pic>
+        <p:nvPicPr>
+          <p:cNvPr id="8" name="Content Placeholder 7" descr="A screenshot of a social media post&#10;&#10;Description automatically generated">
+            <a:extLst>
+              <a:ext uri="{FF2B5EF4-FFF2-40B4-BE49-F238E27FC236}">
+                <a16:creationId xmlns:a16="http://schemas.microsoft.com/office/drawing/2014/main" id="{CA3C2A68-DB5A-4AFD-8EA5-E12BBDB9AB15}"/>
+              </a:ext>
+            </a:extLst>
+          </p:cNvPr>
+          <p:cNvPicPr>
+            <a:picLocks noGrp="1" noChangeAspect="1"/>
+          </p:cNvPicPr>
+          <p:nvPr>
+            <p:ph sz="half" idx="1"/>
+          </p:nvPr>
+        </p:nvPicPr>
+        <p:blipFill>
+          <a:blip r:embed="rId2">
+            <a:extLst>
+              <a:ext uri="{28A0092B-C50C-407E-A947-70E740481C1C}">
+                <a14:useLocalDpi xmlns:a14="http://schemas.microsoft.com/office/drawing/2010/main" val="0"/>
+              </a:ext>
+            </a:extLst>
+          </a:blip>
+          <a:stretch>
+            <a:fillRect/>
+          </a:stretch>
+        </p:blipFill>
+        <p:spPr>
+          <a:xfrm>
+            <a:off x="646111" y="1853248"/>
+            <a:ext cx="7833858" cy="2350157"/>
+          </a:xfrm>
+        </p:spPr>
+      </p:pic>
+      <p:pic>
+        <p:nvPicPr>
+          <p:cNvPr id="10" name="Content Placeholder 9" descr="A screenshot of a cell phone&#10;&#10;Description automatically generated">
+            <a:extLst>
+              <a:ext uri="{FF2B5EF4-FFF2-40B4-BE49-F238E27FC236}">
+                <a16:creationId xmlns:a16="http://schemas.microsoft.com/office/drawing/2014/main" id="{B99101D3-8699-479A-AA1B-3B51DE3745C6}"/>
+              </a:ext>
+            </a:extLst>
+          </p:cNvPr>
+          <p:cNvPicPr>
+            <a:picLocks noGrp="1" noChangeAspect="1"/>
+          </p:cNvPicPr>
+          <p:nvPr>
+            <p:ph sz="half" idx="2"/>
+          </p:nvPr>
+        </p:nvPicPr>
+        <p:blipFill>
+          <a:blip r:embed="rId3">
+            <a:extLst>
+              <a:ext uri="{28A0092B-C50C-407E-A947-70E740481C1C}">
+                <a14:useLocalDpi xmlns:a14="http://schemas.microsoft.com/office/drawing/2010/main" val="0"/>
+              </a:ext>
+            </a:extLst>
+          </a:blip>
+          <a:stretch>
+            <a:fillRect/>
+          </a:stretch>
+        </p:blipFill>
+        <p:spPr>
+          <a:xfrm>
+            <a:off x="646111" y="4203405"/>
+            <a:ext cx="7833858" cy="2350157"/>
+          </a:xfrm>
+        </p:spPr>
+      </p:pic>
+      <p:sp>
+        <p:nvSpPr>
+          <p:cNvPr id="14" name="TextBox 13">
+            <a:extLst>
+              <a:ext uri="{FF2B5EF4-FFF2-40B4-BE49-F238E27FC236}">
+                <a16:creationId xmlns:a16="http://schemas.microsoft.com/office/drawing/2014/main" id="{2AD19BE1-CA4B-4F23-8743-CA78131A1484}"/>
+              </a:ext>
+            </a:extLst>
+          </p:cNvPr>
+          <p:cNvSpPr txBox="1"/>
+          <p:nvPr/>
+        </p:nvSpPr>
+        <p:spPr>
+          <a:xfrm>
+            <a:off x="8900160" y="1853248"/>
+            <a:ext cx="2645729" cy="3693319"/>
+          </a:xfrm>
+          <a:prstGeom prst="rect">
+            <a:avLst/>
+          </a:prstGeom>
+          <a:noFill/>
+        </p:spPr>
+        <p:txBody>
+          <a:bodyPr wrap="square" rtlCol="0">
+            <a:spAutoFit/>
+          </a:bodyPr>
+          <a:lstStyle/>
+          <a:p>
+            <a:pPr marL="285750" indent="-285750">
+              <a:buFont typeface="Arial" panose="020B0604020202020204" pitchFamily="34" charset="0"/>
+              <a:buChar char="•"/>
+            </a:pPr>
+            <a:r>
+              <a:rPr lang="en-US" dirty="0"/>
+              <a:t>In our first two charts we can see that even in comparison between the lowest median income areas and the highest, driving alone is still the largest metric in the Charlotte metro area by a wide margin.</a:t>
+            </a:r>
+          </a:p>
+        </p:txBody>
+      </p:sp>
+    </p:spTree>
+    <p:extLst>
+      <p:ext uri="{BB962C8B-B14F-4D97-AF65-F5344CB8AC3E}">
+        <p14:creationId xmlns:p14="http://schemas.microsoft.com/office/powerpoint/2010/main" val="39234438"/>
+      </p:ext>
+    </p:extLst>
+  </p:cSld>
+  <p:clrMapOvr>
+    <a:masterClrMapping/>
+  </p:clrMapOvr>
+</p:sld>
+</file>
+
+<file path=ppt/slides/slide7.xml><?xml version="1.0" encoding="utf-8"?>
+<p:sld xmlns:a="http://schemas.openxmlformats.org/drawingml/2006/main" xmlns:r="http://schemas.openxmlformats.org/officeDocument/2006/relationships" xmlns:p="http://schemas.openxmlformats.org/presentationml/2006/main">
+  <p:cSld>
+    <p:spTree>
+      <p:nvGrpSpPr>
+        <p:cNvPr id="1" name=""/>
+        <p:cNvGrpSpPr/>
+        <p:nvPr/>
+      </p:nvGrpSpPr>
+      <p:grpSpPr>
+        <a:xfrm>
+          <a:off x="0" y="0"/>
+          <a:ext cx="0" cy="0"/>
+          <a:chOff x="0" y="0"/>
+          <a:chExt cx="0" cy="0"/>
+        </a:xfrm>
+      </p:grpSpPr>
+      <p:sp>
+        <p:nvSpPr>
+          <p:cNvPr id="5" name="Title 4">
+            <a:extLst>
+              <a:ext uri="{FF2B5EF4-FFF2-40B4-BE49-F238E27FC236}">
+                <a16:creationId xmlns:a16="http://schemas.microsoft.com/office/drawing/2014/main" id="{BA809DE7-7906-4896-8D5F-BC71D184188E}"/>
+              </a:ext>
+            </a:extLst>
+          </p:cNvPr>
+          <p:cNvSpPr>
+            <a:spLocks noGrp="1"/>
+          </p:cNvSpPr>
+          <p:nvPr>
+            <p:ph type="title"/>
+          </p:nvPr>
+        </p:nvSpPr>
+        <p:spPr>
+          <a:xfrm>
+            <a:off x="646111" y="385687"/>
+            <a:ext cx="9404723" cy="1400530"/>
+          </a:xfrm>
+        </p:spPr>
+        <p:txBody>
+          <a:bodyPr/>
+          <a:lstStyle/>
+          <a:p>
+            <a:r>
+              <a:rPr lang="en-US" dirty="0"/>
+              <a:t>Charlotte is mostly single car commuters!</a:t>
+            </a:r>
+          </a:p>
+        </p:txBody>
+      </p:sp>
+      <p:pic>
+        <p:nvPicPr>
+          <p:cNvPr id="9" name="Content Placeholder 8" descr="A screenshot of a cell phone&#10;&#10;Description automatically generated">
+            <a:extLst>
+              <a:ext uri="{FF2B5EF4-FFF2-40B4-BE49-F238E27FC236}">
+                <a16:creationId xmlns:a16="http://schemas.microsoft.com/office/drawing/2014/main" id="{7175E657-FDEA-4B0E-9761-F1ED4BF94F78}"/>
+              </a:ext>
+            </a:extLst>
+          </p:cNvPr>
+          <p:cNvPicPr>
+            <a:picLocks noGrp="1" noChangeAspect="1"/>
+          </p:cNvPicPr>
+          <p:nvPr>
+            <p:ph sz="half" idx="1"/>
+          </p:nvPr>
+        </p:nvPicPr>
+        <p:blipFill>
+          <a:blip r:embed="rId2">
+            <a:extLst>
+              <a:ext uri="{28A0092B-C50C-407E-A947-70E740481C1C}">
+                <a14:useLocalDpi xmlns:a14="http://schemas.microsoft.com/office/drawing/2010/main" val="0"/>
+              </a:ext>
+            </a:extLst>
+          </a:blip>
+          <a:stretch>
+            <a:fillRect/>
+          </a:stretch>
+        </p:blipFill>
+        <p:spPr>
+          <a:xfrm>
+            <a:off x="646111" y="2091017"/>
+            <a:ext cx="10936942" cy="3404907"/>
+          </a:xfrm>
+        </p:spPr>
+      </p:pic>
+      <p:sp>
+        <p:nvSpPr>
+          <p:cNvPr id="10" name="TextBox 9">
+            <a:extLst>
+              <a:ext uri="{FF2B5EF4-FFF2-40B4-BE49-F238E27FC236}">
+                <a16:creationId xmlns:a16="http://schemas.microsoft.com/office/drawing/2014/main" id="{9E4F1F1F-616B-4388-BCCE-C314C9F71562}"/>
+              </a:ext>
+            </a:extLst>
+          </p:cNvPr>
+          <p:cNvSpPr txBox="1"/>
+          <p:nvPr/>
+        </p:nvSpPr>
+        <p:spPr>
+          <a:xfrm>
+            <a:off x="646111" y="5686425"/>
+            <a:ext cx="10936942" cy="646331"/>
+          </a:xfrm>
+          <a:prstGeom prst="rect">
+            <a:avLst/>
+          </a:prstGeom>
+          <a:noFill/>
+        </p:spPr>
+        <p:txBody>
+          <a:bodyPr wrap="square" rtlCol="0">
+            <a:spAutoFit/>
+          </a:bodyPr>
+          <a:lstStyle/>
+          <a:p>
+            <a:r>
+              <a:rPr lang="en-US" dirty="0"/>
+              <a:t>The most widely used form of transport in the Charlotte metro area by far, with metrics that give us an idea that only the lowest income brackets are resorting to other means.</a:t>
+            </a:r>
+          </a:p>
+        </p:txBody>
+      </p:sp>
+    </p:spTree>
+    <p:extLst>
+      <p:ext uri="{BB962C8B-B14F-4D97-AF65-F5344CB8AC3E}">
+        <p14:creationId xmlns:p14="http://schemas.microsoft.com/office/powerpoint/2010/main" val="3430302493"/>
+      </p:ext>
+    </p:extLst>
+  </p:cSld>
+  <p:clrMapOvr>
+    <a:masterClrMapping/>
+  </p:clrMapOvr>
+</p:sld>
+</file>
+
+<file path=ppt/slides/slide8.xml><?xml version="1.0" encoding="utf-8"?>
+<p:sld xmlns:a="http://schemas.openxmlformats.org/drawingml/2006/main" xmlns:r="http://schemas.openxmlformats.org/officeDocument/2006/relationships" xmlns:p="http://schemas.openxmlformats.org/presentationml/2006/main">
+  <p:cSld>
+    <p:spTree>
+      <p:nvGrpSpPr>
+        <p:cNvPr id="1" name=""/>
+        <p:cNvGrpSpPr/>
+        <p:nvPr/>
+      </p:nvGrpSpPr>
+      <p:grpSpPr>
+        <a:xfrm>
+          <a:off x="0" y="0"/>
+          <a:ext cx="0" cy="0"/>
+          <a:chOff x="0" y="0"/>
+          <a:chExt cx="0" cy="0"/>
+        </a:xfrm>
+      </p:grpSpPr>
+      <p:sp>
+        <p:nvSpPr>
+          <p:cNvPr id="2" name="Title 1">
+            <a:extLst>
+              <a:ext uri="{FF2B5EF4-FFF2-40B4-BE49-F238E27FC236}">
+                <a16:creationId xmlns:a16="http://schemas.microsoft.com/office/drawing/2014/main" id="{79855E5B-A13F-4C06-8D1B-03ECC978A581}"/>
+              </a:ext>
+            </a:extLst>
+          </p:cNvPr>
+          <p:cNvSpPr>
+            <a:spLocks noGrp="1"/>
+          </p:cNvSpPr>
+          <p:nvPr>
+            <p:ph type="title"/>
+          </p:nvPr>
+        </p:nvSpPr>
+        <p:spPr>
+          <a:xfrm>
+            <a:off x="646111" y="452718"/>
+            <a:ext cx="9404723" cy="766482"/>
+          </a:xfrm>
+        </p:spPr>
+        <p:txBody>
+          <a:bodyPr/>
+          <a:lstStyle/>
+          <a:p>
+            <a:r>
+              <a:rPr lang="en-US" dirty="0"/>
+              <a:t>Then there’s the rest….</a:t>
+            </a:r>
+          </a:p>
+        </p:txBody>
+      </p:sp>
+      <p:pic>
+        <p:nvPicPr>
+          <p:cNvPr id="6" name="Content Placeholder 5" descr="A screenshot of a cell phone&#10;&#10;Description automatically generated">
+            <a:extLst>
+              <a:ext uri="{FF2B5EF4-FFF2-40B4-BE49-F238E27FC236}">
+                <a16:creationId xmlns:a16="http://schemas.microsoft.com/office/drawing/2014/main" id="{7DF249AA-1D76-4F6F-9FA7-4F8E5AE81763}"/>
+              </a:ext>
+            </a:extLst>
+          </p:cNvPr>
+          <p:cNvPicPr>
+            <a:picLocks noGrp="1" noChangeAspect="1"/>
+          </p:cNvPicPr>
+          <p:nvPr>
+            <p:ph sz="half" idx="1"/>
+          </p:nvPr>
+        </p:nvPicPr>
+        <p:blipFill>
+          <a:blip r:embed="rId2">
+            <a:extLst>
+              <a:ext uri="{28A0092B-C50C-407E-A947-70E740481C1C}">
+                <a14:useLocalDpi xmlns:a14="http://schemas.microsoft.com/office/drawing/2010/main" val="0"/>
+              </a:ext>
+            </a:extLst>
+          </a:blip>
+          <a:stretch>
+            <a:fillRect/>
+          </a:stretch>
+        </p:blipFill>
+        <p:spPr>
+          <a:xfrm>
+            <a:off x="522302" y="1660763"/>
+            <a:ext cx="5535054" cy="1660516"/>
+          </a:xfrm>
+        </p:spPr>
+      </p:pic>
+      <p:pic>
+        <p:nvPicPr>
+          <p:cNvPr id="8" name="Content Placeholder 7" descr="A screenshot of a cell phone&#10;&#10;Description automatically generated">
+            <a:extLst>
+              <a:ext uri="{FF2B5EF4-FFF2-40B4-BE49-F238E27FC236}">
+                <a16:creationId xmlns:a16="http://schemas.microsoft.com/office/drawing/2014/main" id="{52838E76-AD20-4854-AD87-71241DE5079C}"/>
+              </a:ext>
+            </a:extLst>
+          </p:cNvPr>
+          <p:cNvPicPr>
+            <a:picLocks noGrp="1" noChangeAspect="1"/>
+          </p:cNvPicPr>
+          <p:nvPr>
+            <p:ph sz="half" idx="2"/>
+          </p:nvPr>
+        </p:nvPicPr>
+        <p:blipFill>
+          <a:blip r:embed="rId3">
+            <a:extLst>
+              <a:ext uri="{28A0092B-C50C-407E-A947-70E740481C1C}">
+                <a14:useLocalDpi xmlns:a14="http://schemas.microsoft.com/office/drawing/2010/main" val="0"/>
+              </a:ext>
+            </a:extLst>
+          </a:blip>
+          <a:stretch>
+            <a:fillRect/>
+          </a:stretch>
+        </p:blipFill>
+        <p:spPr>
+          <a:xfrm>
+            <a:off x="6057354" y="1660762"/>
+            <a:ext cx="5535058" cy="1660517"/>
+          </a:xfrm>
+        </p:spPr>
+      </p:pic>
+      <p:pic>
+        <p:nvPicPr>
+          <p:cNvPr id="10" name="Picture 9" descr="A close up of a map&#10;&#10;Description automatically generated">
+            <a:extLst>
+              <a:ext uri="{FF2B5EF4-FFF2-40B4-BE49-F238E27FC236}">
+                <a16:creationId xmlns:a16="http://schemas.microsoft.com/office/drawing/2014/main" id="{3BA6404C-B90D-4FD4-85B5-D78E1D1BE430}"/>
+              </a:ext>
+            </a:extLst>
+          </p:cNvPr>
+          <p:cNvPicPr>
+            <a:picLocks noChangeAspect="1"/>
+          </p:cNvPicPr>
+          <p:nvPr/>
+        </p:nvPicPr>
+        <p:blipFill>
+          <a:blip r:embed="rId4">
+            <a:extLst>
+              <a:ext uri="{28A0092B-C50C-407E-A947-70E740481C1C}">
+                <a14:useLocalDpi xmlns:a14="http://schemas.microsoft.com/office/drawing/2010/main" val="0"/>
+              </a:ext>
+            </a:extLst>
+          </a:blip>
+          <a:stretch>
+            <a:fillRect/>
+          </a:stretch>
+        </p:blipFill>
+        <p:spPr>
+          <a:xfrm>
+            <a:off x="522287" y="3321279"/>
+            <a:ext cx="5535060" cy="1660518"/>
+          </a:xfrm>
+          <a:prstGeom prst="rect">
+            <a:avLst/>
+          </a:prstGeom>
+        </p:spPr>
+      </p:pic>
+      <p:pic>
+        <p:nvPicPr>
+          <p:cNvPr id="12" name="Picture 11" descr="A screenshot of a social media post&#10;&#10;Description automatically generated">
+            <a:extLst>
+              <a:ext uri="{FF2B5EF4-FFF2-40B4-BE49-F238E27FC236}">
+                <a16:creationId xmlns:a16="http://schemas.microsoft.com/office/drawing/2014/main" id="{10E4B6B2-DF12-4D1B-8A63-EA745F88C077}"/>
+              </a:ext>
+            </a:extLst>
+          </p:cNvPr>
+          <p:cNvPicPr>
+            <a:picLocks noChangeAspect="1"/>
+          </p:cNvPicPr>
+          <p:nvPr/>
+        </p:nvPicPr>
+        <p:blipFill>
+          <a:blip r:embed="rId5">
+            <a:extLst>
+              <a:ext uri="{28A0092B-C50C-407E-A947-70E740481C1C}">
+                <a14:useLocalDpi xmlns:a14="http://schemas.microsoft.com/office/drawing/2010/main" val="0"/>
+              </a:ext>
+            </a:extLst>
+          </a:blip>
+          <a:stretch>
+            <a:fillRect/>
+          </a:stretch>
+        </p:blipFill>
+        <p:spPr>
+          <a:xfrm>
+            <a:off x="6057346" y="3321279"/>
+            <a:ext cx="5535058" cy="1660518"/>
+          </a:xfrm>
+          <a:prstGeom prst="rect">
+            <a:avLst/>
+          </a:prstGeom>
+        </p:spPr>
+      </p:pic>
+      <p:sp>
+        <p:nvSpPr>
+          <p:cNvPr id="13" name="TextBox 12">
+            <a:extLst>
+              <a:ext uri="{FF2B5EF4-FFF2-40B4-BE49-F238E27FC236}">
+                <a16:creationId xmlns:a16="http://schemas.microsoft.com/office/drawing/2014/main" id="{57F1DE77-F2A0-4EEC-9F17-73A510FA66E4}"/>
+              </a:ext>
+            </a:extLst>
+          </p:cNvPr>
+          <p:cNvSpPr txBox="1"/>
+          <p:nvPr/>
+        </p:nvSpPr>
+        <p:spPr>
+          <a:xfrm>
+            <a:off x="522287" y="5353050"/>
+            <a:ext cx="11070117" cy="1200329"/>
+          </a:xfrm>
+          <a:prstGeom prst="rect">
+            <a:avLst/>
+          </a:prstGeom>
+          <a:noFill/>
+        </p:spPr>
+        <p:txBody>
+          <a:bodyPr wrap="square" rtlCol="0">
+            <a:spAutoFit/>
+          </a:bodyPr>
+          <a:lstStyle/>
+          <a:p>
+            <a:r>
+              <a:rPr lang="en-US" dirty="0"/>
+              <a:t>With more block groups reporting 0 for most of these other metrics, its easy to see that the individual person driving a single car is the most likely form of transportation in Charlotte, no matter what income bracket you are a part of! But still it would seem that having an income lower than 100K a year brings more variety in the ways you get to work in Charlotte!</a:t>
+            </a:r>
+          </a:p>
+        </p:txBody>
+      </p:sp>
+    </p:spTree>
+    <p:extLst>
+      <p:ext uri="{BB962C8B-B14F-4D97-AF65-F5344CB8AC3E}">
+        <p14:creationId xmlns:p14="http://schemas.microsoft.com/office/powerpoint/2010/main" val="2801619004"/>
       </p:ext>
     </p:extLst>
   </p:cSld>
